--- a/모바일_15.pptx
+++ b/모바일_15.pptx
@@ -247,7 +247,7 @@
           <a:p>
             <a:fld id="{DEDC508C-CC5F-4539-B857-10658B5980CA}" type="datetimeFigureOut">
               <a:rPr lang="ko-KR" altLang="en-US" smtClean="0"/>
-              <a:t>2018-05-18</a:t>
+              <a:t>2018-06-08</a:t>
             </a:fld>
             <a:endParaRPr lang="ko-KR" altLang="en-US"/>
           </a:p>
@@ -412,7 +412,7 @@
           <a:p>
             <a:fld id="{EF4C9EC8-2009-4890-843E-AC122F09E04A}" type="datetimeFigureOut">
               <a:rPr lang="ko-KR" altLang="en-US" smtClean="0"/>
-              <a:t>2018-05-18</a:t>
+              <a:t>2018-06-08</a:t>
             </a:fld>
             <a:endParaRPr lang="ko-KR" altLang="en-US"/>
           </a:p>
@@ -1210,7 +1210,7 @@
             <a:fld id="{ACDF6120-F1F0-4C60-9FE9-39AC71A9C79D}" type="datetimeFigureOut">
               <a:rPr lang="en-US" smtClean="0"/>
               <a:pPr eaLnBrk="1" latinLnBrk="0" hangingPunct="1"/>
-              <a:t>5/18/2018</a:t>
+              <a:t>6/8/2018</a:t>
             </a:fld>
             <a:endParaRPr lang="en-US" sz="1600" dirty="0"/>
           </a:p>
@@ -1585,7 +1585,7 @@
               <a:pPr>
                 <a:defRPr/>
               </a:pPr>
-              <a:t>2018-05-18</a:t>
+              <a:t>2018-06-08</a:t>
             </a:fld>
             <a:endParaRPr lang="ko-KR" altLang="en-US"/>
           </a:p>
@@ -1869,7 +1869,7 @@
               <a:pPr>
                 <a:defRPr/>
               </a:pPr>
-              <a:t>2018-05-18</a:t>
+              <a:t>2018-06-08</a:t>
             </a:fld>
             <a:endParaRPr lang="ko-KR" altLang="en-US"/>
           </a:p>
@@ -2104,7 +2104,7 @@
               <a:pPr>
                 <a:defRPr/>
               </a:pPr>
-              <a:t>2018-05-18</a:t>
+              <a:t>2018-06-08</a:t>
             </a:fld>
             <a:endParaRPr lang="ko-KR" altLang="en-US"/>
           </a:p>
@@ -2471,7 +2471,7 @@
               <a:pPr>
                 <a:defRPr/>
               </a:pPr>
-              <a:t>2018-05-18</a:t>
+              <a:t>2018-06-08</a:t>
             </a:fld>
             <a:endParaRPr lang="ko-KR" altLang="en-US"/>
           </a:p>
@@ -2714,7 +2714,7 @@
             <a:fld id="{ACDF6120-F1F0-4C60-9FE9-39AC71A9C79D}" type="datetimeFigureOut">
               <a:rPr lang="en-US" smtClean="0"/>
               <a:pPr eaLnBrk="1" latinLnBrk="0" hangingPunct="1"/>
-              <a:t>5/18/2018</a:t>
+              <a:t>6/8/2018</a:t>
             </a:fld>
             <a:endParaRPr lang="en-US"/>
           </a:p>
@@ -3044,7 +3044,7 @@
               <a:pPr>
                 <a:defRPr/>
               </a:pPr>
-              <a:t>2018-05-18</a:t>
+              <a:t>2018-06-08</a:t>
             </a:fld>
             <a:endParaRPr lang="ko-KR" altLang="en-US"/>
           </a:p>
@@ -3336,7 +3336,7 @@
               <a:pPr>
                 <a:defRPr/>
               </a:pPr>
-              <a:t>2018-05-18</a:t>
+              <a:t>2018-06-08</a:t>
             </a:fld>
             <a:endParaRPr lang="ko-KR" altLang="en-US"/>
           </a:p>
@@ -3758,7 +3758,7 @@
               <a:pPr>
                 <a:defRPr/>
               </a:pPr>
-              <a:t>2018-05-18</a:t>
+              <a:t>2018-06-08</a:t>
             </a:fld>
             <a:endParaRPr lang="ko-KR" altLang="en-US"/>
           </a:p>
@@ -4070,7 +4070,7 @@
               <a:pPr>
                 <a:defRPr/>
               </a:pPr>
-              <a:t>2018-05-18</a:t>
+              <a:t>2018-06-08</a:t>
             </a:fld>
             <a:endParaRPr lang="ko-KR" altLang="en-US"/>
           </a:p>
@@ -4649,7 +4649,7 @@
               <a:pPr>
                 <a:defRPr/>
               </a:pPr>
-              <a:t>2018-05-18</a:t>
+              <a:t>2018-06-08</a:t>
             </a:fld>
             <a:endParaRPr lang="ko-KR" altLang="en-US"/>
           </a:p>
@@ -9084,7 +9084,7 @@
               <a:pPr>
                 <a:defRPr/>
               </a:pPr>
-              <a:t>2018-05-18</a:t>
+              <a:t>2018-06-08</a:t>
             </a:fld>
             <a:endParaRPr lang="ko-KR" altLang="en-US"/>
           </a:p>
@@ -9765,7 +9765,7 @@
               <a:pPr>
                 <a:defRPr/>
               </a:pPr>
-              <a:t>2018-05-18</a:t>
+              <a:t>2018-06-08</a:t>
             </a:fld>
             <a:endParaRPr lang="ko-KR" altLang="en-US"/>
           </a:p>
@@ -14135,7 +14135,7 @@
         </p:nvGrpSpPr>
         <p:grpSpPr>
           <a:xfrm>
-            <a:off x="493540" y="1560816"/>
+            <a:off x="485519" y="1560816"/>
             <a:ext cx="7636089" cy="4312431"/>
             <a:chOff x="827395" y="2621411"/>
             <a:chExt cx="6939068" cy="4658163"/>
